--- a/docs/deployment_guide/images/architecture_diagram.pptx
+++ b/docs/deployment_guide/images/architecture_diagram.pptx
@@ -197,7 +197,7 @@
           <a:p>
             <a:fld id="{3D24F5CC-F88F-2E40-B1E3-1BEBDB4FB352}" type="datetimeFigureOut">
               <a:rPr lang="en-US" smtClean="0"/>
-              <a:t>11/8/22</a:t>
+              <a:t>11/9/22</a:t>
             </a:fld>
             <a:endParaRPr lang="en-US"/>
           </a:p>
@@ -739,7 +739,7 @@
           <a:p>
             <a:fld id="{42CEB043-CB07-4D88-96C7-E080C34C29C0}" type="datetimeFigureOut">
               <a:rPr lang="en-US" smtClean="0"/>
-              <a:t>11/8/22</a:t>
+              <a:t>11/9/22</a:t>
             </a:fld>
             <a:endParaRPr lang="en-US"/>
           </a:p>
@@ -909,7 +909,7 @@
           <a:p>
             <a:fld id="{42CEB043-CB07-4D88-96C7-E080C34C29C0}" type="datetimeFigureOut">
               <a:rPr lang="en-US" smtClean="0"/>
-              <a:t>11/8/22</a:t>
+              <a:t>11/9/22</a:t>
             </a:fld>
             <a:endParaRPr lang="en-US"/>
           </a:p>
@@ -1089,7 +1089,7 @@
           <a:p>
             <a:fld id="{42CEB043-CB07-4D88-96C7-E080C34C29C0}" type="datetimeFigureOut">
               <a:rPr lang="en-US" smtClean="0"/>
-              <a:t>11/8/22</a:t>
+              <a:t>11/9/22</a:t>
             </a:fld>
             <a:endParaRPr lang="en-US"/>
           </a:p>
@@ -1259,7 +1259,7 @@
           <a:p>
             <a:fld id="{42CEB043-CB07-4D88-96C7-E080C34C29C0}" type="datetimeFigureOut">
               <a:rPr lang="en-US" smtClean="0"/>
-              <a:t>11/8/22</a:t>
+              <a:t>11/9/22</a:t>
             </a:fld>
             <a:endParaRPr lang="en-US"/>
           </a:p>
@@ -1503,7 +1503,7 @@
           <a:p>
             <a:fld id="{42CEB043-CB07-4D88-96C7-E080C34C29C0}" type="datetimeFigureOut">
               <a:rPr lang="en-US" smtClean="0"/>
-              <a:t>11/8/22</a:t>
+              <a:t>11/9/22</a:t>
             </a:fld>
             <a:endParaRPr lang="en-US"/>
           </a:p>
@@ -1735,7 +1735,7 @@
           <a:p>
             <a:fld id="{42CEB043-CB07-4D88-96C7-E080C34C29C0}" type="datetimeFigureOut">
               <a:rPr lang="en-US" smtClean="0"/>
-              <a:t>11/8/22</a:t>
+              <a:t>11/9/22</a:t>
             </a:fld>
             <a:endParaRPr lang="en-US"/>
           </a:p>
@@ -2102,7 +2102,7 @@
           <a:p>
             <a:fld id="{42CEB043-CB07-4D88-96C7-E080C34C29C0}" type="datetimeFigureOut">
               <a:rPr lang="en-US" smtClean="0"/>
-              <a:t>11/8/22</a:t>
+              <a:t>11/9/22</a:t>
             </a:fld>
             <a:endParaRPr lang="en-US"/>
           </a:p>
@@ -2220,7 +2220,7 @@
           <a:p>
             <a:fld id="{42CEB043-CB07-4D88-96C7-E080C34C29C0}" type="datetimeFigureOut">
               <a:rPr lang="en-US" smtClean="0"/>
-              <a:t>11/8/22</a:t>
+              <a:t>11/9/22</a:t>
             </a:fld>
             <a:endParaRPr lang="en-US"/>
           </a:p>
@@ -2315,7 +2315,7 @@
           <a:p>
             <a:fld id="{42CEB043-CB07-4D88-96C7-E080C34C29C0}" type="datetimeFigureOut">
               <a:rPr lang="en-US" smtClean="0"/>
-              <a:t>11/8/22</a:t>
+              <a:t>11/9/22</a:t>
             </a:fld>
             <a:endParaRPr lang="en-US"/>
           </a:p>
@@ -2592,7 +2592,7 @@
           <a:p>
             <a:fld id="{42CEB043-CB07-4D88-96C7-E080C34C29C0}" type="datetimeFigureOut">
               <a:rPr lang="en-US" smtClean="0"/>
-              <a:t>11/8/22</a:t>
+              <a:t>11/9/22</a:t>
             </a:fld>
             <a:endParaRPr lang="en-US"/>
           </a:p>
@@ -2849,7 +2849,7 @@
           <a:p>
             <a:fld id="{42CEB043-CB07-4D88-96C7-E080C34C29C0}" type="datetimeFigureOut">
               <a:rPr lang="en-US" smtClean="0"/>
-              <a:t>11/8/22</a:t>
+              <a:t>11/9/22</a:t>
             </a:fld>
             <a:endParaRPr lang="en-US"/>
           </a:p>
@@ -3062,7 +3062,7 @@
           <a:p>
             <a:fld id="{42CEB043-CB07-4D88-96C7-E080C34C29C0}" type="datetimeFigureOut">
               <a:rPr lang="en-US" smtClean="0"/>
-              <a:t>11/8/22</a:t>
+              <a:t>11/9/22</a:t>
             </a:fld>
             <a:endParaRPr lang="en-US"/>
           </a:p>
@@ -4454,192 +4454,6 @@
       </p:sp>
       <p:sp>
         <p:nvSpPr>
-          <p:cNvPr id="87" name="TextBox 21">
-            <a:extLst>
-              <a:ext uri="{FF2B5EF4-FFF2-40B4-BE49-F238E27FC236}">
-                <a16:creationId xmlns:a16="http://schemas.microsoft.com/office/drawing/2014/main" id="{6E8092D6-0120-4C12-9882-AC274451C6A2}"/>
-              </a:ext>
-            </a:extLst>
-          </p:cNvPr>
-          <p:cNvSpPr txBox="1">
-            <a:spLocks noChangeArrowheads="1"/>
-          </p:cNvSpPr>
-          <p:nvPr/>
-        </p:nvSpPr>
-        <p:spPr bwMode="auto">
-          <a:xfrm>
-            <a:off x="10417067" y="6120215"/>
-            <a:ext cx="1633624" cy="261610"/>
-          </a:xfrm>
-          <a:prstGeom prst="rect">
-            <a:avLst/>
-          </a:prstGeom>
-          <a:noFill/>
-          <a:ln>
-            <a:noFill/>
-          </a:ln>
-          <a:extLst>
-            <a:ext uri="{909E8E84-426E-40DD-AFC4-6F175D3DCCD1}">
-              <a14:hiddenFill xmlns:a14="http://schemas.microsoft.com/office/drawing/2010/main">
-                <a:solidFill>
-                  <a:srgbClr val="FFFFFF"/>
-                </a:solidFill>
-              </a14:hiddenFill>
-            </a:ext>
-            <a:ext uri="{91240B29-F687-4F45-9708-019B960494DF}">
-              <a14:hiddenLine xmlns:a14="http://schemas.microsoft.com/office/drawing/2010/main" w="9525">
-                <a:solidFill>
-                  <a:srgbClr val="000000"/>
-                </a:solidFill>
-                <a:miter lim="800000"/>
-                <a:headEnd/>
-                <a:tailEnd/>
-              </a14:hiddenLine>
-            </a:ext>
-          </a:extLst>
-        </p:spPr>
-        <p:txBody>
-          <a:bodyPr wrap="square" lIns="0" rIns="0">
-            <a:spAutoFit/>
-          </a:bodyPr>
-          <a:lstStyle>
-            <a:lvl1pPr>
-              <a:defRPr>
-                <a:solidFill>
-                  <a:schemeClr val="tx1"/>
-                </a:solidFill>
-                <a:latin typeface="Calibri" panose="020F0502020204030204" pitchFamily="34" charset="0"/>
-              </a:defRPr>
-            </a:lvl1pPr>
-            <a:lvl2pPr marL="742950" indent="-285750">
-              <a:defRPr>
-                <a:solidFill>
-                  <a:schemeClr val="tx1"/>
-                </a:solidFill>
-                <a:latin typeface="Calibri" panose="020F0502020204030204" pitchFamily="34" charset="0"/>
-              </a:defRPr>
-            </a:lvl2pPr>
-            <a:lvl3pPr marL="1143000" indent="-228600">
-              <a:defRPr>
-                <a:solidFill>
-                  <a:schemeClr val="tx1"/>
-                </a:solidFill>
-                <a:latin typeface="Calibri" panose="020F0502020204030204" pitchFamily="34" charset="0"/>
-              </a:defRPr>
-            </a:lvl3pPr>
-            <a:lvl4pPr marL="1600200" indent="-228600">
-              <a:defRPr>
-                <a:solidFill>
-                  <a:schemeClr val="tx1"/>
-                </a:solidFill>
-                <a:latin typeface="Calibri" panose="020F0502020204030204" pitchFamily="34" charset="0"/>
-              </a:defRPr>
-            </a:lvl4pPr>
-            <a:lvl5pPr marL="2057400" indent="-228600">
-              <a:defRPr>
-                <a:solidFill>
-                  <a:schemeClr val="tx1"/>
-                </a:solidFill>
-                <a:latin typeface="Calibri" panose="020F0502020204030204" pitchFamily="34" charset="0"/>
-              </a:defRPr>
-            </a:lvl5pPr>
-            <a:lvl6pPr marL="2514600" indent="-228600" eaLnBrk="0" fontAlgn="base" hangingPunct="0">
-              <a:spcBef>
-                <a:spcPct val="0"/>
-              </a:spcBef>
-              <a:spcAft>
-                <a:spcPct val="0"/>
-              </a:spcAft>
-              <a:defRPr>
-                <a:solidFill>
-                  <a:schemeClr val="tx1"/>
-                </a:solidFill>
-                <a:latin typeface="Calibri" panose="020F0502020204030204" pitchFamily="34" charset="0"/>
-              </a:defRPr>
-            </a:lvl6pPr>
-            <a:lvl7pPr marL="2971800" indent="-228600" eaLnBrk="0" fontAlgn="base" hangingPunct="0">
-              <a:spcBef>
-                <a:spcPct val="0"/>
-              </a:spcBef>
-              <a:spcAft>
-                <a:spcPct val="0"/>
-              </a:spcAft>
-              <a:defRPr>
-                <a:solidFill>
-                  <a:schemeClr val="tx1"/>
-                </a:solidFill>
-                <a:latin typeface="Calibri" panose="020F0502020204030204" pitchFamily="34" charset="0"/>
-              </a:defRPr>
-            </a:lvl7pPr>
-            <a:lvl8pPr marL="3429000" indent="-228600" eaLnBrk="0" fontAlgn="base" hangingPunct="0">
-              <a:spcBef>
-                <a:spcPct val="0"/>
-              </a:spcBef>
-              <a:spcAft>
-                <a:spcPct val="0"/>
-              </a:spcAft>
-              <a:defRPr>
-                <a:solidFill>
-                  <a:schemeClr val="tx1"/>
-                </a:solidFill>
-                <a:latin typeface="Calibri" panose="020F0502020204030204" pitchFamily="34" charset="0"/>
-              </a:defRPr>
-            </a:lvl8pPr>
-            <a:lvl9pPr marL="3886200" indent="-228600" eaLnBrk="0" fontAlgn="base" hangingPunct="0">
-              <a:spcBef>
-                <a:spcPct val="0"/>
-              </a:spcBef>
-              <a:spcAft>
-                <a:spcPct val="0"/>
-              </a:spcAft>
-              <a:defRPr>
-                <a:solidFill>
-                  <a:schemeClr val="tx1"/>
-                </a:solidFill>
-                <a:latin typeface="Calibri" panose="020F0502020204030204" pitchFamily="34" charset="0"/>
-              </a:defRPr>
-            </a:lvl9pPr>
-          </a:lstStyle>
-          <a:p>
-            <a:pPr marL="0" marR="0" lvl="0" indent="0" algn="ctr" defTabSz="457200" rtl="0" eaLnBrk="1" fontAlgn="auto" latinLnBrk="0" hangingPunct="1">
-              <a:lnSpc>
-                <a:spcPct val="100000"/>
-              </a:lnSpc>
-              <a:spcBef>
-                <a:spcPts val="0"/>
-              </a:spcBef>
-              <a:spcAft>
-                <a:spcPts val="0"/>
-              </a:spcAft>
-              <a:buClrTx/>
-              <a:buSzTx/>
-              <a:buFontTx/>
-              <a:buNone/>
-              <a:tabLst/>
-              <a:defRPr/>
-            </a:pPr>
-            <a:r>
-              <a:rPr kumimoji="0" lang="en-US" altLang="en-US" sz="1100" b="0" i="0" u="none" strike="noStrike" kern="1200" cap="none" spc="0" normalizeH="0" baseline="0" noProof="0" dirty="0">
-                <a:ln>
-                  <a:noFill/>
-                </a:ln>
-                <a:solidFill>
-                  <a:prstClr val="black"/>
-                </a:solidFill>
-                <a:effectLst/>
-                <a:uLnTx/>
-                <a:uFillTx/>
-                <a:latin typeface="Arial" panose="020B0604020202020204" pitchFamily="34" charset="0"/>
-                <a:ea typeface="Amazon Ember" panose="020B0603020204020204" pitchFamily="34" charset="0"/>
-                <a:cs typeface="Arial" panose="020B0604020202020204" pitchFamily="34" charset="0"/>
-              </a:rPr>
-              <a:t>Classic Load Balancer</a:t>
-            </a:r>
-          </a:p>
-        </p:txBody>
-      </p:sp>
-      <p:sp>
-        <p:nvSpPr>
           <p:cNvPr id="93" name="TextBox 26">
             <a:extLst>
               <a:ext uri="{FF2B5EF4-FFF2-40B4-BE49-F238E27FC236}">
@@ -6577,52 +6391,6 @@
           </a:prstGeom>
         </p:spPr>
       </p:pic>
-      <p:cxnSp>
-        <p:nvCxnSpPr>
-          <p:cNvPr id="166" name="Straight Arrow Connector 165">
-            <a:extLst>
-              <a:ext uri="{FF2B5EF4-FFF2-40B4-BE49-F238E27FC236}">
-                <a16:creationId xmlns:a16="http://schemas.microsoft.com/office/drawing/2014/main" id="{4CDE6E3E-A534-4CB7-B54C-74C39064F2FB}"/>
-              </a:ext>
-            </a:extLst>
-          </p:cNvPr>
-          <p:cNvCxnSpPr>
-            <a:cxnSpLocks/>
-            <a:stCxn id="10" idx="1"/>
-          </p:cNvCxnSpPr>
-          <p:nvPr/>
-        </p:nvCxnSpPr>
-        <p:spPr>
-          <a:xfrm flipH="1">
-            <a:off x="8701596" y="5765358"/>
-            <a:ext cx="2115705" cy="0"/>
-          </a:xfrm>
-          <a:prstGeom prst="straightConnector1">
-            <a:avLst/>
-          </a:prstGeom>
-          <a:ln w="12700">
-            <a:solidFill>
-              <a:schemeClr val="tx2"/>
-            </a:solidFill>
-            <a:headEnd type="none" w="med" len="sm"/>
-            <a:tailEnd type="arrow" w="med" len="sm"/>
-          </a:ln>
-        </p:spPr>
-        <p:style>
-          <a:lnRef idx="1">
-            <a:schemeClr val="accent1"/>
-          </a:lnRef>
-          <a:fillRef idx="0">
-            <a:schemeClr val="accent1"/>
-          </a:fillRef>
-          <a:effectRef idx="0">
-            <a:schemeClr val="accent1"/>
-          </a:effectRef>
-          <a:fontRef idx="minor">
-            <a:schemeClr val="tx1"/>
-          </a:fontRef>
-        </p:style>
-      </p:cxnSp>
       <p:sp>
         <p:nvSpPr>
           <p:cNvPr id="250" name="TextBox 25">
@@ -7084,7 +6852,7 @@
         </p:blipFill>
         <p:spPr bwMode="auto">
           <a:xfrm>
-            <a:off x="5515412" y="6288832"/>
+            <a:off x="10801373" y="5527236"/>
             <a:ext cx="762000" cy="762000"/>
           </a:xfrm>
           <a:prstGeom prst="rect">
@@ -7317,7 +7085,7 @@
         </p:nvSpPr>
         <p:spPr bwMode="auto">
           <a:xfrm>
-            <a:off x="5336998" y="7019172"/>
+            <a:off x="10622959" y="6257576"/>
             <a:ext cx="1144513" cy="276999"/>
           </a:xfrm>
           <a:prstGeom prst="rect">
@@ -8531,12 +8299,173 @@
           </a:extLst>
         </p:spPr>
       </p:pic>
+      <p:sp>
+        <p:nvSpPr>
+          <p:cNvPr id="55" name="TextBox 21">
+            <a:extLst>
+              <a:ext uri="{FF2B5EF4-FFF2-40B4-BE49-F238E27FC236}">
+                <a16:creationId xmlns:a16="http://schemas.microsoft.com/office/drawing/2014/main" id="{8CC7AC53-7230-4347-8E57-A441DA35E5F4}"/>
+              </a:ext>
+            </a:extLst>
+          </p:cNvPr>
+          <p:cNvSpPr txBox="1">
+            <a:spLocks noChangeArrowheads="1"/>
+          </p:cNvSpPr>
+          <p:nvPr/>
+        </p:nvSpPr>
+        <p:spPr bwMode="auto">
+          <a:xfrm>
+            <a:off x="4978659" y="6068893"/>
+            <a:ext cx="1909445" cy="261610"/>
+          </a:xfrm>
+          <a:prstGeom prst="rect">
+            <a:avLst/>
+          </a:prstGeom>
+          <a:noFill/>
+          <a:ln>
+            <a:noFill/>
+          </a:ln>
+          <a:extLst>
+            <a:ext uri="{909E8E84-426E-40DD-AFC4-6F175D3DCCD1}">
+              <a14:hiddenFill xmlns:a14="http://schemas.microsoft.com/office/drawing/2010/main">
+                <a:solidFill>
+                  <a:srgbClr val="FFFFFF"/>
+                </a:solidFill>
+              </a14:hiddenFill>
+            </a:ext>
+            <a:ext uri="{91240B29-F687-4F45-9708-019B960494DF}">
+              <a14:hiddenLine xmlns:a14="http://schemas.microsoft.com/office/drawing/2010/main" w="9525">
+                <a:solidFill>
+                  <a:srgbClr val="000000"/>
+                </a:solidFill>
+                <a:miter lim="800000"/>
+                <a:headEnd/>
+                <a:tailEnd/>
+              </a14:hiddenLine>
+            </a:ext>
+          </a:extLst>
+        </p:spPr>
+        <p:txBody>
+          <a:bodyPr wrap="square">
+            <a:spAutoFit/>
+          </a:bodyPr>
+          <a:lstStyle>
+            <a:lvl1pPr>
+              <a:defRPr>
+                <a:solidFill>
+                  <a:schemeClr val="tx1"/>
+                </a:solidFill>
+                <a:latin typeface="Calibri" panose="020F0502020204030204" pitchFamily="34" charset="0"/>
+              </a:defRPr>
+            </a:lvl1pPr>
+            <a:lvl2pPr marL="742950" indent="-285750">
+              <a:defRPr>
+                <a:solidFill>
+                  <a:schemeClr val="tx1"/>
+                </a:solidFill>
+                <a:latin typeface="Calibri" panose="020F0502020204030204" pitchFamily="34" charset="0"/>
+              </a:defRPr>
+            </a:lvl2pPr>
+            <a:lvl3pPr marL="1143000" indent="-228600">
+              <a:defRPr>
+                <a:solidFill>
+                  <a:schemeClr val="tx1"/>
+                </a:solidFill>
+                <a:latin typeface="Calibri" panose="020F0502020204030204" pitchFamily="34" charset="0"/>
+              </a:defRPr>
+            </a:lvl3pPr>
+            <a:lvl4pPr marL="1600200" indent="-228600">
+              <a:defRPr>
+                <a:solidFill>
+                  <a:schemeClr val="tx1"/>
+                </a:solidFill>
+                <a:latin typeface="Calibri" panose="020F0502020204030204" pitchFamily="34" charset="0"/>
+              </a:defRPr>
+            </a:lvl4pPr>
+            <a:lvl5pPr marL="2057400" indent="-228600">
+              <a:defRPr>
+                <a:solidFill>
+                  <a:schemeClr val="tx1"/>
+                </a:solidFill>
+                <a:latin typeface="Calibri" panose="020F0502020204030204" pitchFamily="34" charset="0"/>
+              </a:defRPr>
+            </a:lvl5pPr>
+            <a:lvl6pPr marL="2514600" indent="-228600" eaLnBrk="0" fontAlgn="base" hangingPunct="0">
+              <a:spcBef>
+                <a:spcPct val="0"/>
+              </a:spcBef>
+              <a:spcAft>
+                <a:spcPct val="0"/>
+              </a:spcAft>
+              <a:defRPr>
+                <a:solidFill>
+                  <a:schemeClr val="tx1"/>
+                </a:solidFill>
+                <a:latin typeface="Calibri" panose="020F0502020204030204" pitchFamily="34" charset="0"/>
+              </a:defRPr>
+            </a:lvl6pPr>
+            <a:lvl7pPr marL="2971800" indent="-228600" eaLnBrk="0" fontAlgn="base" hangingPunct="0">
+              <a:spcBef>
+                <a:spcPct val="0"/>
+              </a:spcBef>
+              <a:spcAft>
+                <a:spcPct val="0"/>
+              </a:spcAft>
+              <a:defRPr>
+                <a:solidFill>
+                  <a:schemeClr val="tx1"/>
+                </a:solidFill>
+                <a:latin typeface="Calibri" panose="020F0502020204030204" pitchFamily="34" charset="0"/>
+              </a:defRPr>
+            </a:lvl7pPr>
+            <a:lvl8pPr marL="3429000" indent="-228600" eaLnBrk="0" fontAlgn="base" hangingPunct="0">
+              <a:spcBef>
+                <a:spcPct val="0"/>
+              </a:spcBef>
+              <a:spcAft>
+                <a:spcPct val="0"/>
+              </a:spcAft>
+              <a:defRPr>
+                <a:solidFill>
+                  <a:schemeClr val="tx1"/>
+                </a:solidFill>
+                <a:latin typeface="Calibri" panose="020F0502020204030204" pitchFamily="34" charset="0"/>
+              </a:defRPr>
+            </a:lvl8pPr>
+            <a:lvl9pPr marL="3886200" indent="-228600" eaLnBrk="0" fontAlgn="base" hangingPunct="0">
+              <a:spcBef>
+                <a:spcPct val="0"/>
+              </a:spcBef>
+              <a:spcAft>
+                <a:spcPct val="0"/>
+              </a:spcAft>
+              <a:defRPr>
+                <a:solidFill>
+                  <a:schemeClr val="tx1"/>
+                </a:solidFill>
+                <a:latin typeface="Calibri" panose="020F0502020204030204" pitchFamily="34" charset="0"/>
+              </a:defRPr>
+            </a:lvl9pPr>
+          </a:lstStyle>
+          <a:p>
+            <a:pPr algn="ctr" eaLnBrk="1" hangingPunct="1"/>
+            <a:r>
+              <a:rPr lang="en-US" altLang="en-US" sz="1100" dirty="0">
+                <a:latin typeface="Arial" panose="020B0604020202020204" pitchFamily="34" charset="0"/>
+                <a:ea typeface="Amazon Ember" panose="020B0603020204020204" pitchFamily="34" charset="0"/>
+                <a:cs typeface="Arial" panose="020B0604020202020204" pitchFamily="34" charset="0"/>
+              </a:rPr>
+              <a:t>Classic Load Balancer</a:t>
+            </a:r>
+          </a:p>
+        </p:txBody>
+      </p:sp>
       <p:pic>
         <p:nvPicPr>
-          <p:cNvPr id="10" name="Graphic 18">
+          <p:cNvPr id="56" name="Graphic 18">
             <a:extLst>
               <a:ext uri="{FF2B5EF4-FFF2-40B4-BE49-F238E27FC236}">
-                <a16:creationId xmlns:a16="http://schemas.microsoft.com/office/drawing/2014/main" id="{FD952515-C291-3C5A-CD5D-A93683048B88}"/>
+                <a16:creationId xmlns:a16="http://schemas.microsoft.com/office/drawing/2014/main" id="{79D64036-C8B6-DB45-A7CB-7C2D744A2F38}"/>
               </a:ext>
             </a:extLst>
           </p:cNvPr>
@@ -8548,18 +8477,20 @@
         <p:blipFill>
           <a:blip r:embed="rId20">
             <a:extLst>
-              <a:ext uri="{96DAC541-7B7A-43D3-8B79-37D633B846F1}">
-                <asvg:svgBlip xmlns:asvg="http://schemas.microsoft.com/office/drawing/2016/SVG/main" r:embed="rId21"/>
+              <a:ext uri="{28A0092B-C50C-407E-A947-70E740481C1C}">
+                <a14:useLocalDpi xmlns:a14="http://schemas.microsoft.com/office/drawing/2010/main" val="0"/>
               </a:ext>
             </a:extLst>
           </a:blip>
           <a:srcRect/>
-          <a:stretch/>
+          <a:stretch>
+            <a:fillRect/>
+          </a:stretch>
         </p:blipFill>
         <p:spPr bwMode="auto">
           <a:xfrm>
-            <a:off x="10817301" y="5382428"/>
-            <a:ext cx="765860" cy="765860"/>
+            <a:off x="5712315" y="5586293"/>
+            <a:ext cx="457200" cy="457200"/>
           </a:xfrm>
           <a:prstGeom prst="rect">
             <a:avLst/>
